--- a/static/files/신준혁 이력서.pptx
+++ b/static/files/신준혁 이력서.pptx
@@ -317,7 +317,7 @@
             <a:fld id="{1D8BD707-D9CF-40AE-B4C6-C98DA3205C09}" type="datetimeFigureOut">
               <a:rPr lang="en-US" smtClean="0"/>
               <a:pPr/>
-              <a:t>4/14/2025</a:t>
+              <a:t>4/21/2025</a:t>
             </a:fld>
             <a:endParaRPr lang="en-US"/>
           </a:p>
@@ -482,7 +482,7 @@
             <a:fld id="{1D8BD707-D9CF-40AE-B4C6-C98DA3205C09}" type="datetimeFigureOut">
               <a:rPr lang="en-US" smtClean="0"/>
               <a:pPr/>
-              <a:t>4/14/2025</a:t>
+              <a:t>4/21/2025</a:t>
             </a:fld>
             <a:endParaRPr lang="en-US"/>
           </a:p>
@@ -657,7 +657,7 @@
             <a:fld id="{1D8BD707-D9CF-40AE-B4C6-C98DA3205C09}" type="datetimeFigureOut">
               <a:rPr lang="en-US" smtClean="0"/>
               <a:pPr/>
-              <a:t>4/14/2025</a:t>
+              <a:t>4/21/2025</a:t>
             </a:fld>
             <a:endParaRPr lang="en-US"/>
           </a:p>
@@ -822,7 +822,7 @@
             <a:fld id="{1D8BD707-D9CF-40AE-B4C6-C98DA3205C09}" type="datetimeFigureOut">
               <a:rPr lang="en-US" smtClean="0"/>
               <a:pPr/>
-              <a:t>4/14/2025</a:t>
+              <a:t>4/21/2025</a:t>
             </a:fld>
             <a:endParaRPr lang="en-US"/>
           </a:p>
@@ -1064,7 +1064,7 @@
             <a:fld id="{1D8BD707-D9CF-40AE-B4C6-C98DA3205C09}" type="datetimeFigureOut">
               <a:rPr lang="en-US" smtClean="0"/>
               <a:pPr/>
-              <a:t>4/14/2025</a:t>
+              <a:t>4/21/2025</a:t>
             </a:fld>
             <a:endParaRPr lang="en-US"/>
           </a:p>
@@ -1346,7 +1346,7 @@
             <a:fld id="{1D8BD707-D9CF-40AE-B4C6-C98DA3205C09}" type="datetimeFigureOut">
               <a:rPr lang="en-US" smtClean="0"/>
               <a:pPr/>
-              <a:t>4/14/2025</a:t>
+              <a:t>4/21/2025</a:t>
             </a:fld>
             <a:endParaRPr lang="en-US"/>
           </a:p>
@@ -1762,7 +1762,7 @@
             <a:fld id="{1D8BD707-D9CF-40AE-B4C6-C98DA3205C09}" type="datetimeFigureOut">
               <a:rPr lang="en-US" smtClean="0"/>
               <a:pPr/>
-              <a:t>4/14/2025</a:t>
+              <a:t>4/21/2025</a:t>
             </a:fld>
             <a:endParaRPr lang="en-US"/>
           </a:p>
@@ -1876,7 +1876,7 @@
             <a:fld id="{1D8BD707-D9CF-40AE-B4C6-C98DA3205C09}" type="datetimeFigureOut">
               <a:rPr lang="en-US" smtClean="0"/>
               <a:pPr/>
-              <a:t>4/14/2025</a:t>
+              <a:t>4/21/2025</a:t>
             </a:fld>
             <a:endParaRPr lang="en-US"/>
           </a:p>
@@ -1968,7 +1968,7 @@
             <a:fld id="{1D8BD707-D9CF-40AE-B4C6-C98DA3205C09}" type="datetimeFigureOut">
               <a:rPr lang="en-US" smtClean="0"/>
               <a:pPr/>
-              <a:t>4/14/2025</a:t>
+              <a:t>4/21/2025</a:t>
             </a:fld>
             <a:endParaRPr lang="en-US"/>
           </a:p>
@@ -2240,7 +2240,7 @@
             <a:fld id="{1D8BD707-D9CF-40AE-B4C6-C98DA3205C09}" type="datetimeFigureOut">
               <a:rPr lang="en-US" smtClean="0"/>
               <a:pPr/>
-              <a:t>4/14/2025</a:t>
+              <a:t>4/21/2025</a:t>
             </a:fld>
             <a:endParaRPr lang="en-US"/>
           </a:p>
@@ -2489,7 +2489,7 @@
             <a:fld id="{1D8BD707-D9CF-40AE-B4C6-C98DA3205C09}" type="datetimeFigureOut">
               <a:rPr lang="en-US" smtClean="0"/>
               <a:pPr/>
-              <a:t>4/14/2025</a:t>
+              <a:t>4/21/2025</a:t>
             </a:fld>
             <a:endParaRPr lang="en-US"/>
           </a:p>
@@ -2697,7 +2697,7 @@
             <a:fld id="{1D8BD707-D9CF-40AE-B4C6-C98DA3205C09}" type="datetimeFigureOut">
               <a:rPr lang="en-US" smtClean="0"/>
               <a:pPr/>
-              <a:t>4/14/2025</a:t>
+              <a:t>4/21/2025</a:t>
             </a:fld>
             <a:endParaRPr lang="en-US"/>
           </a:p>
@@ -3161,7 +3161,7 @@
         </p:nvSpPr>
         <p:spPr>
           <a:xfrm>
-            <a:off x="1451596" y="3333265"/>
+            <a:off x="1446442" y="3132449"/>
             <a:ext cx="1795024" cy="0"/>
           </a:xfrm>
           <a:prstGeom prst="line">
@@ -3187,8 +3187,8 @@
         </p:nvSpPr>
         <p:spPr>
           <a:xfrm>
-            <a:off x="1293472" y="6943101"/>
-            <a:ext cx="1909453" cy="0"/>
+            <a:off x="1055842" y="6943101"/>
+            <a:ext cx="2147083" cy="0"/>
           </a:xfrm>
           <a:prstGeom prst="line">
             <a:avLst/>
@@ -3317,7 +3317,7 @@
         </p:nvSpPr>
         <p:spPr>
           <a:xfrm flipV="1">
-            <a:off x="1340991" y="5346000"/>
+            <a:off x="1340991" y="5318635"/>
             <a:ext cx="1905629" cy="0"/>
           </a:xfrm>
           <a:prstGeom prst="line">
@@ -3472,7 +3472,7 @@
         <p:spPr>
           <a:xfrm>
             <a:off x="3893962" y="1906941"/>
-            <a:ext cx="3440189" cy="2139315"/>
+            <a:ext cx="3440189" cy="2174634"/>
           </a:xfrm>
           <a:prstGeom prst="rect">
             <a:avLst/>
@@ -3657,102 +3657,6 @@
               </a:rPr>
               <a:t> </a:t>
             </a:r>
-            <a:r>
-              <a:rPr lang="en-US" sz="1200" dirty="0" err="1">
-                <a:solidFill>
-                  <a:srgbClr val="5B5B5B"/>
-                </a:solidFill>
-                <a:latin typeface="Nanum Square"/>
-                <a:ea typeface="Nanum Square"/>
-                <a:cs typeface="Nanum Square"/>
-                <a:sym typeface="Nanum Square"/>
-              </a:rPr>
-              <a:t>설계까지</a:t>
-            </a:r>
-            <a:r>
-              <a:rPr lang="en-US" sz="1200" dirty="0">
-                <a:solidFill>
-                  <a:srgbClr val="5B5B5B"/>
-                </a:solidFill>
-                <a:latin typeface="Nanum Square"/>
-                <a:ea typeface="Nanum Square"/>
-                <a:cs typeface="Nanum Square"/>
-                <a:sym typeface="Nanum Square"/>
-              </a:rPr>
-              <a:t> </a:t>
-            </a:r>
-            <a:r>
-              <a:rPr lang="en-US" sz="1200" dirty="0" err="1">
-                <a:solidFill>
-                  <a:srgbClr val="5B5B5B"/>
-                </a:solidFill>
-                <a:latin typeface="Nanum Square"/>
-                <a:ea typeface="Nanum Square"/>
-                <a:cs typeface="Nanum Square"/>
-                <a:sym typeface="Nanum Square"/>
-              </a:rPr>
-              <a:t>담당하는</a:t>
-            </a:r>
-            <a:r>
-              <a:rPr lang="en-US" sz="1200" dirty="0">
-                <a:solidFill>
-                  <a:srgbClr val="5B5B5B"/>
-                </a:solidFill>
-                <a:latin typeface="Nanum Square"/>
-                <a:ea typeface="Nanum Square"/>
-                <a:cs typeface="Nanum Square"/>
-                <a:sym typeface="Nanum Square"/>
-              </a:rPr>
-              <a:t> </a:t>
-            </a:r>
-            <a:r>
-              <a:rPr lang="en-US" sz="1200" dirty="0" err="1">
-                <a:solidFill>
-                  <a:srgbClr val="5B5B5B"/>
-                </a:solidFill>
-                <a:latin typeface="Nanum Square"/>
-                <a:ea typeface="Nanum Square"/>
-                <a:cs typeface="Nanum Square"/>
-                <a:sym typeface="Nanum Square"/>
-              </a:rPr>
-              <a:t>개발자</a:t>
-            </a:r>
-            <a:r>
-              <a:rPr lang="en-US" sz="1200" dirty="0">
-                <a:solidFill>
-                  <a:srgbClr val="5B5B5B"/>
-                </a:solidFill>
-                <a:latin typeface="Nanum Square"/>
-                <a:ea typeface="Nanum Square"/>
-                <a:cs typeface="Nanum Square"/>
-                <a:sym typeface="Nanum Square"/>
-              </a:rPr>
-              <a:t> </a:t>
-            </a:r>
-            <a:r>
-              <a:rPr lang="en-US" sz="1200" dirty="0" err="1">
-                <a:solidFill>
-                  <a:srgbClr val="5B5B5B"/>
-                </a:solidFill>
-                <a:latin typeface="Nanum Square"/>
-                <a:ea typeface="Nanum Square"/>
-                <a:cs typeface="Nanum Square"/>
-                <a:sym typeface="Nanum Square"/>
-              </a:rPr>
-              <a:t>신준혁입니다</a:t>
-            </a:r>
-            <a:r>
-              <a:rPr lang="en-US" sz="1200" dirty="0">
-                <a:solidFill>
-                  <a:srgbClr val="5B5B5B"/>
-                </a:solidFill>
-                <a:latin typeface="Nanum Square"/>
-                <a:ea typeface="Nanum Square"/>
-                <a:cs typeface="Nanum Square"/>
-                <a:sym typeface="Nanum Square"/>
-              </a:rPr>
-              <a:t>.</a:t>
-            </a:r>
           </a:p>
           <a:p>
             <a:pPr algn="just">
@@ -3761,6 +3665,18 @@
               </a:lnSpc>
             </a:pPr>
             <a:r>
+              <a:rPr lang="en-US" sz="1200" dirty="0" err="1">
+                <a:solidFill>
+                  <a:srgbClr val="5B5B5B"/>
+                </a:solidFill>
+                <a:latin typeface="Nanum Square"/>
+                <a:ea typeface="Nanum Square"/>
+                <a:cs typeface="Nanum Square"/>
+                <a:sym typeface="Nanum Square"/>
+              </a:rPr>
+              <a:t>설계까지</a:t>
+            </a:r>
+            <a:r>
               <a:rPr lang="en-US" sz="1200" dirty="0">
                 <a:solidFill>
                   <a:srgbClr val="5B5B5B"/>
@@ -3770,6 +3686,97 @@
                 <a:cs typeface="Nanum Square"/>
                 <a:sym typeface="Nanum Square"/>
               </a:rPr>
+              <a:t> </a:t>
+            </a:r>
+            <a:r>
+              <a:rPr lang="en-US" sz="1200" dirty="0" err="1">
+                <a:solidFill>
+                  <a:srgbClr val="5B5B5B"/>
+                </a:solidFill>
+                <a:latin typeface="Nanum Square"/>
+                <a:ea typeface="Nanum Square"/>
+                <a:cs typeface="Nanum Square"/>
+                <a:sym typeface="Nanum Square"/>
+              </a:rPr>
+              <a:t>담당하는</a:t>
+            </a:r>
+            <a:r>
+              <a:rPr lang="en-US" sz="1200" dirty="0">
+                <a:solidFill>
+                  <a:srgbClr val="5B5B5B"/>
+                </a:solidFill>
+                <a:latin typeface="Nanum Square"/>
+                <a:ea typeface="Nanum Square"/>
+                <a:cs typeface="Nanum Square"/>
+                <a:sym typeface="Nanum Square"/>
+              </a:rPr>
+              <a:t> </a:t>
+            </a:r>
+            <a:r>
+              <a:rPr lang="en-US" sz="1200" dirty="0" err="1">
+                <a:solidFill>
+                  <a:srgbClr val="5B5B5B"/>
+                </a:solidFill>
+                <a:latin typeface="Nanum Square"/>
+                <a:ea typeface="Nanum Square"/>
+                <a:cs typeface="Nanum Square"/>
+                <a:sym typeface="Nanum Square"/>
+              </a:rPr>
+              <a:t>개발자</a:t>
+            </a:r>
+            <a:r>
+              <a:rPr lang="en-US" sz="1200" dirty="0">
+                <a:solidFill>
+                  <a:srgbClr val="5B5B5B"/>
+                </a:solidFill>
+                <a:latin typeface="Nanum Square"/>
+                <a:ea typeface="Nanum Square"/>
+                <a:cs typeface="Nanum Square"/>
+                <a:sym typeface="Nanum Square"/>
+              </a:rPr>
+              <a:t> </a:t>
+            </a:r>
+            <a:r>
+              <a:rPr lang="en-US" sz="1200" dirty="0" err="1">
+                <a:solidFill>
+                  <a:srgbClr val="5B5B5B"/>
+                </a:solidFill>
+                <a:latin typeface="Nanum Square"/>
+                <a:ea typeface="Nanum Square"/>
+                <a:cs typeface="Nanum Square"/>
+                <a:sym typeface="Nanum Square"/>
+              </a:rPr>
+              <a:t>신준혁입니다</a:t>
+            </a:r>
+            <a:r>
+              <a:rPr lang="en-US" sz="1200" dirty="0">
+                <a:solidFill>
+                  <a:srgbClr val="5B5B5B"/>
+                </a:solidFill>
+                <a:latin typeface="Nanum Square"/>
+                <a:ea typeface="Nanum Square"/>
+                <a:cs typeface="Nanum Square"/>
+                <a:sym typeface="Nanum Square"/>
+              </a:rPr>
+              <a:t>.</a:t>
+            </a:r>
+          </a:p>
+          <a:p>
+            <a:pPr algn="just">
+              <a:lnSpc>
+                <a:spcPts val="1920"/>
+              </a:lnSpc>
+            </a:pPr>
+            <a:r>
+              <a:rPr lang="en-US" sz="1200" dirty="0">
+                <a:solidFill>
+                  <a:srgbClr val="5B5B5B"/>
+                </a:solidFill>
+                <a:latin typeface="Nanum Square"/>
+                <a:ea typeface="Nanum Square"/>
+                <a:cs typeface="Nanum Square"/>
+                <a:sym typeface="Nanum Square"/>
+              </a:rPr>
               <a:t>Python </a:t>
             </a:r>
             <a:r>
@@ -3866,7 +3873,26 @@
                 <a:cs typeface="Nanum Square"/>
                 <a:sym typeface="Nanum Square"/>
               </a:rPr>
-              <a:t>, MySQL DB </a:t>
+              <a:t>, MySQL </a:t>
+            </a:r>
+          </a:p>
+          <a:p>
+            <a:pPr algn="just">
+              <a:lnSpc>
+                <a:spcPts val="1920"/>
+              </a:lnSpc>
+            </a:pPr>
+            <a:r>
+              <a:rPr lang="en-US" sz="1200" dirty="0">
+                <a:solidFill>
+                  <a:srgbClr val="5B5B5B"/>
+                </a:solidFill>
+                <a:latin typeface="Nanum Square"/>
+                <a:ea typeface="Nanum Square"/>
+                <a:cs typeface="Nanum Square"/>
+                <a:sym typeface="Nanum Square"/>
+              </a:rPr>
+              <a:t>DB </a:t>
             </a:r>
             <a:r>
               <a:rPr lang="en-US" sz="1200" dirty="0" err="1">
@@ -4012,6 +4038,13 @@
               </a:rPr>
               <a:t> </a:t>
             </a:r>
+          </a:p>
+          <a:p>
+            <a:pPr algn="just">
+              <a:lnSpc>
+                <a:spcPts val="1920"/>
+              </a:lnSpc>
+            </a:pPr>
             <a:r>
               <a:rPr lang="en-US" sz="1200" dirty="0" err="1">
                 <a:solidFill>
@@ -4156,6 +4189,13 @@
               </a:rPr>
               <a:t> </a:t>
             </a:r>
+          </a:p>
+          <a:p>
+            <a:pPr algn="just">
+              <a:lnSpc>
+                <a:spcPts val="1920"/>
+              </a:lnSpc>
+            </a:pPr>
             <a:r>
               <a:rPr lang="en-US" sz="1200" dirty="0" err="1">
                 <a:solidFill>
@@ -4596,7 +4636,7 @@
         </p:nvSpPr>
         <p:spPr>
           <a:xfrm>
-            <a:off x="578889" y="3174084"/>
+            <a:off x="573735" y="2973268"/>
             <a:ext cx="983437" cy="289787"/>
           </a:xfrm>
           <a:prstGeom prst="rect">
@@ -4618,7 +4658,7 @@
               </a:spcBef>
             </a:pPr>
             <a:r>
-              <a:rPr lang="en-US" sz="1709" b="1">
+              <a:rPr lang="en-US" sz="1709" b="1" dirty="0" err="1">
                 <a:solidFill>
                   <a:srgbClr val="000000"/>
                 </a:solidFill>
@@ -4629,6 +4669,15 @@
               </a:rPr>
               <a:t>개인정보</a:t>
             </a:r>
+            <a:endParaRPr lang="en-US" sz="1709" b="1" dirty="0">
+              <a:solidFill>
+                <a:srgbClr val="000000"/>
+              </a:solidFill>
+              <a:latin typeface="TDTD고딕 Bold"/>
+              <a:ea typeface="TDTD고딕 Bold"/>
+              <a:cs typeface="TDTD고딕 Bold"/>
+              <a:sym typeface="TDTD고딕 Bold"/>
+            </a:endParaRPr>
           </a:p>
         </p:txBody>
       </p:sp>
@@ -4992,7 +5041,7 @@
         </p:nvSpPr>
         <p:spPr>
           <a:xfrm>
-            <a:off x="578888" y="3378827"/>
+            <a:off x="573734" y="3178011"/>
             <a:ext cx="457408" cy="1888274"/>
           </a:xfrm>
           <a:prstGeom prst="rect">
@@ -5476,7 +5525,7 @@
         </p:nvSpPr>
         <p:spPr>
           <a:xfrm>
-            <a:off x="1060996" y="3384482"/>
+            <a:off x="1055842" y="3183666"/>
             <a:ext cx="2161264" cy="1888274"/>
           </a:xfrm>
           <a:prstGeom prst="rect">
@@ -5654,6 +5703,54 @@
               </a:rPr>
               <a:t>장안구</a:t>
             </a:r>
+            <a:r>
+              <a:rPr lang="en-US" sz="1262" u="none" strike="noStrike" dirty="0">
+                <a:solidFill>
+                  <a:srgbClr val="5B5B5B"/>
+                </a:solidFill>
+                <a:latin typeface="Nanum Square"/>
+                <a:ea typeface="Nanum Square"/>
+                <a:cs typeface="Nanum Square"/>
+                <a:sym typeface="Nanum Square"/>
+              </a:rPr>
+              <a:t> </a:t>
+            </a:r>
+            <a:r>
+              <a:rPr lang="ko-KR" altLang="en-US" sz="1262" u="none" strike="noStrike" dirty="0" err="1">
+                <a:solidFill>
+                  <a:srgbClr val="5B5B5B"/>
+                </a:solidFill>
+                <a:latin typeface="Nanum Square"/>
+                <a:ea typeface="Nanum Square"/>
+                <a:cs typeface="Nanum Square"/>
+                <a:sym typeface="Nanum Square"/>
+              </a:rPr>
+              <a:t>화산로</a:t>
+            </a:r>
+            <a:r>
+              <a:rPr lang="ko-KR" altLang="en-US" sz="1262" u="none" strike="noStrike" dirty="0">
+                <a:solidFill>
+                  <a:srgbClr val="5B5B5B"/>
+                </a:solidFill>
+                <a:latin typeface="Nanum Square"/>
+                <a:ea typeface="Nanum Square"/>
+                <a:cs typeface="Nanum Square"/>
+                <a:sym typeface="Nanum Square"/>
+              </a:rPr>
+              <a:t> </a:t>
+            </a:r>
+            <a:r>
+              <a:rPr lang="en-US" altLang="ko-KR" sz="1262" u="none" strike="noStrike" dirty="0">
+                <a:solidFill>
+                  <a:srgbClr val="5B5B5B"/>
+                </a:solidFill>
+                <a:latin typeface="Nanum Square"/>
+                <a:ea typeface="Nanum Square"/>
+                <a:cs typeface="Nanum Square"/>
+                <a:sym typeface="Nanum Square"/>
+              </a:rPr>
+              <a:t>85</a:t>
+            </a:r>
             <a:endParaRPr lang="en-US" sz="1262" u="none" strike="noStrike" dirty="0">
               <a:solidFill>
                 <a:srgbClr val="5B5B5B"/>
@@ -6160,7 +6257,7 @@
         </p:nvSpPr>
         <p:spPr>
           <a:xfrm>
-            <a:off x="411230" y="7114414"/>
+            <a:off x="403971" y="7111671"/>
             <a:ext cx="993280" cy="2121487"/>
           </a:xfrm>
           <a:prstGeom prst="rect">
@@ -6182,7 +6279,7 @@
               </a:spcBef>
             </a:pPr>
             <a:r>
-              <a:rPr lang="en-US" sz="1262" b="1" u="none" strike="noStrike">
+              <a:rPr lang="en-US" sz="1262" b="1" u="none" strike="noStrike" dirty="0">
                 <a:solidFill>
                   <a:srgbClr val="5B5B5B"/>
                 </a:solidFill>
@@ -6203,7 +6300,7 @@
                 <a:spcPct val="0"/>
               </a:spcBef>
             </a:pPr>
-            <a:endParaRPr lang="en-US" sz="1262" b="1" u="none" strike="noStrike">
+            <a:endParaRPr lang="en-US" sz="1262" b="1" u="none" strike="noStrike" dirty="0">
               <a:solidFill>
                 <a:srgbClr val="5B5B5B"/>
               </a:solidFill>
@@ -6222,7 +6319,7 @@
                 <a:spcPct val="0"/>
               </a:spcBef>
             </a:pPr>
-            <a:endParaRPr lang="en-US" sz="1262" b="1" u="none" strike="noStrike">
+            <a:endParaRPr lang="en-US" sz="1262" b="1" u="none" strike="noStrike" dirty="0">
               <a:solidFill>
                 <a:srgbClr val="5B5B5B"/>
               </a:solidFill>
@@ -6242,7 +6339,7 @@
               </a:spcBef>
             </a:pPr>
             <a:r>
-              <a:rPr lang="en-US" sz="1262" b="1" u="none" strike="noStrike">
+              <a:rPr lang="en-US" sz="1262" b="1" u="none" strike="noStrike" dirty="0">
                 <a:solidFill>
                   <a:srgbClr val="5B5B5B"/>
                 </a:solidFill>
@@ -6263,7 +6360,7 @@
                 <a:spcPct val="0"/>
               </a:spcBef>
             </a:pPr>
-            <a:endParaRPr lang="en-US" sz="1262" b="1" u="none" strike="noStrike">
+            <a:endParaRPr lang="en-US" sz="1262" b="1" u="none" strike="noStrike" dirty="0">
               <a:solidFill>
                 <a:srgbClr val="5B5B5B"/>
               </a:solidFill>
@@ -6282,7 +6379,7 @@
                 <a:spcPct val="0"/>
               </a:spcBef>
             </a:pPr>
-            <a:endParaRPr lang="en-US" sz="1262" b="1" u="none" strike="noStrike">
+            <a:endParaRPr lang="en-US" sz="1262" b="1" u="none" strike="noStrike" dirty="0">
               <a:solidFill>
                 <a:srgbClr val="5B5B5B"/>
               </a:solidFill>
@@ -6302,7 +6399,7 @@
               </a:spcBef>
             </a:pPr>
             <a:r>
-              <a:rPr lang="en-US" sz="1262" b="1" u="none" strike="noStrike">
+              <a:rPr lang="en-US" sz="1262" b="1" u="none" strike="noStrike" dirty="0">
                 <a:solidFill>
                   <a:srgbClr val="5B5B5B"/>
                 </a:solidFill>
